--- a/Functional Programming in Java 8 - Part 3 - Java Streams/Functional Programming in Java 8 - Part 3 - Java Streams - Introduction.pptx
+++ b/Functional Programming in Java 8 - Part 3 - Java Streams/Functional Programming in Java 8 - Part 3 - Java Streams - Introduction.pptx
@@ -271,7 +271,7 @@
           <a:p>
             <a:fld id="{7578F203-3035-431A-9132-0340FD284A61}" type="datetimeFigureOut">
               <a:rPr lang="en-US" smtClean="0"/>
-              <a:t>5/22/2018</a:t>
+              <a:t>5/29/2018</a:t>
             </a:fld>
             <a:endParaRPr lang="en-US"/>
           </a:p>
@@ -441,7 +441,7 @@
           <a:p>
             <a:fld id="{7578F203-3035-431A-9132-0340FD284A61}" type="datetimeFigureOut">
               <a:rPr lang="en-US" smtClean="0"/>
-              <a:t>5/22/2018</a:t>
+              <a:t>5/29/2018</a:t>
             </a:fld>
             <a:endParaRPr lang="en-US"/>
           </a:p>
@@ -621,7 +621,7 @@
           <a:p>
             <a:fld id="{7578F203-3035-431A-9132-0340FD284A61}" type="datetimeFigureOut">
               <a:rPr lang="en-US" smtClean="0"/>
-              <a:t>5/22/2018</a:t>
+              <a:t>5/29/2018</a:t>
             </a:fld>
             <a:endParaRPr lang="en-US"/>
           </a:p>
@@ -791,7 +791,7 @@
           <a:p>
             <a:fld id="{7578F203-3035-431A-9132-0340FD284A61}" type="datetimeFigureOut">
               <a:rPr lang="en-US" smtClean="0"/>
-              <a:t>5/22/2018</a:t>
+              <a:t>5/29/2018</a:t>
             </a:fld>
             <a:endParaRPr lang="en-US"/>
           </a:p>
@@ -1037,7 +1037,7 @@
           <a:p>
             <a:fld id="{7578F203-3035-431A-9132-0340FD284A61}" type="datetimeFigureOut">
               <a:rPr lang="en-US" smtClean="0"/>
-              <a:t>5/22/2018</a:t>
+              <a:t>5/29/2018</a:t>
             </a:fld>
             <a:endParaRPr lang="en-US"/>
           </a:p>
@@ -1269,7 +1269,7 @@
           <a:p>
             <a:fld id="{7578F203-3035-431A-9132-0340FD284A61}" type="datetimeFigureOut">
               <a:rPr lang="en-US" smtClean="0"/>
-              <a:t>5/22/2018</a:t>
+              <a:t>5/29/2018</a:t>
             </a:fld>
             <a:endParaRPr lang="en-US"/>
           </a:p>
@@ -1636,7 +1636,7 @@
           <a:p>
             <a:fld id="{7578F203-3035-431A-9132-0340FD284A61}" type="datetimeFigureOut">
               <a:rPr lang="en-US" smtClean="0"/>
-              <a:t>5/22/2018</a:t>
+              <a:t>5/29/2018</a:t>
             </a:fld>
             <a:endParaRPr lang="en-US"/>
           </a:p>
@@ -1754,7 +1754,7 @@
           <a:p>
             <a:fld id="{7578F203-3035-431A-9132-0340FD284A61}" type="datetimeFigureOut">
               <a:rPr lang="en-US" smtClean="0"/>
-              <a:t>5/22/2018</a:t>
+              <a:t>5/29/2018</a:t>
             </a:fld>
             <a:endParaRPr lang="en-US"/>
           </a:p>
@@ -1849,7 +1849,7 @@
           <a:p>
             <a:fld id="{7578F203-3035-431A-9132-0340FD284A61}" type="datetimeFigureOut">
               <a:rPr lang="en-US" smtClean="0"/>
-              <a:t>5/22/2018</a:t>
+              <a:t>5/29/2018</a:t>
             </a:fld>
             <a:endParaRPr lang="en-US"/>
           </a:p>
@@ -2126,7 +2126,7 @@
           <a:p>
             <a:fld id="{7578F203-3035-431A-9132-0340FD284A61}" type="datetimeFigureOut">
               <a:rPr lang="en-US" smtClean="0"/>
-              <a:t>5/22/2018</a:t>
+              <a:t>5/29/2018</a:t>
             </a:fld>
             <a:endParaRPr lang="en-US"/>
           </a:p>
@@ -2379,7 +2379,7 @@
           <a:p>
             <a:fld id="{7578F203-3035-431A-9132-0340FD284A61}" type="datetimeFigureOut">
               <a:rPr lang="en-US" smtClean="0"/>
-              <a:t>5/22/2018</a:t>
+              <a:t>5/29/2018</a:t>
             </a:fld>
             <a:endParaRPr lang="en-US"/>
           </a:p>
@@ -2592,7 +2592,7 @@
           <a:p>
             <a:fld id="{7578F203-3035-431A-9132-0340FD284A61}" type="datetimeFigureOut">
               <a:rPr lang="en-US" smtClean="0"/>
-              <a:t>5/22/2018</a:t>
+              <a:t>5/29/2018</a:t>
             </a:fld>
             <a:endParaRPr lang="en-US"/>
           </a:p>
@@ -3018,7 +3018,6 @@
               <a:rPr lang="en-US" dirty="0"/>
               <a:t>Functional Programming in Java 8 - Part 3 - Java Streams - Introduction</a:t>
             </a:r>
-            <a:endParaRPr lang="en-US" dirty="0"/>
           </a:p>
         </p:txBody>
       </p:sp>
@@ -8317,8 +8316,17 @@
           <a:p>
             <a:r>
               <a:rPr lang="en-US" dirty="0" smtClean="0"/>
-              <a:t>Thinking Async</a:t>
-            </a:r>
+              <a:t>Start </a:t>
+            </a:r>
+            <a:r>
+              <a:rPr lang="en-US" dirty="0"/>
+              <a:t>t</a:t>
+            </a:r>
+            <a:r>
+              <a:rPr lang="en-US" dirty="0" smtClean="0"/>
+              <a:t>hinking “Async”</a:t>
+            </a:r>
+            <a:endParaRPr lang="en-US" dirty="0" smtClean="0"/>
           </a:p>
           <a:p>
             <a:r>
